--- a/PROJET ARDUINO oral.pptx
+++ b/PROJET ARDUINO oral.pptx
@@ -5494,31 +5494,6 @@
       </p:grpSpPr>
       <p:sp>
         <p:nvSpPr>
-          <p:cNvPr id="2" name="Titre 1">
-            <a:extLst>
-              <a:ext uri="{FF2B5EF4-FFF2-40B4-BE49-F238E27FC236}">
-                <a16:creationId xmlns:a16="http://schemas.microsoft.com/office/drawing/2014/main" id="{50080C1D-A550-3DA3-70DA-08F869E2868C}"/>
-              </a:ext>
-            </a:extLst>
-          </p:cNvPr>
-          <p:cNvSpPr>
-            <a:spLocks noGrp="1"/>
-          </p:cNvSpPr>
-          <p:nvPr>
-            <p:ph type="title"/>
-          </p:nvPr>
-        </p:nvSpPr>
-        <p:spPr/>
-        <p:txBody>
-          <a:bodyPr/>
-          <a:lstStyle/>
-          <a:p>
-            <a:endParaRPr lang="fr-FR"/>
-          </a:p>
-        </p:txBody>
-      </p:sp>
-      <p:sp>
-        <p:nvSpPr>
           <p:cNvPr id="3" name="Espace réservé du contenu 2">
             <a:extLst>
               <a:ext uri="{FF2B5EF4-FFF2-40B4-BE49-F238E27FC236}">
@@ -5533,51 +5508,67 @@
             <p:ph idx="1"/>
           </p:nvPr>
         </p:nvSpPr>
-        <p:spPr/>
-        <p:txBody>
-          <a:bodyPr/>
+        <p:spPr>
+          <a:xfrm>
+            <a:off x="664961" y="1099686"/>
+            <a:ext cx="8534400" cy="3615267"/>
+          </a:xfrm>
+        </p:spPr>
+        <p:txBody>
+          <a:bodyPr>
+            <a:normAutofit lnSpcReduction="10000"/>
+          </a:bodyPr>
           <a:lstStyle/>
           <a:p>
             <a:pPr marL="0" indent="0">
               <a:buNone/>
             </a:pPr>
             <a:r>
-              <a:rPr lang="fr-FR" dirty="0"/>
-              <a:t>Sommaire : 	</a:t>
+              <a:rPr lang="fr-FR" sz="2800" dirty="0"/>
+              <a:t>Sommaire : </a:t>
+            </a:r>
+          </a:p>
+          <a:p>
+            <a:pPr marL="0" indent="0">
+              <a:buNone/>
+            </a:pPr>
+            <a:r>
+              <a:rPr lang="fr-FR" sz="2800" dirty="0"/>
+              <a:t>	</a:t>
             </a:r>
           </a:p>
           <a:p>
             <a:pPr lvl="1"/>
             <a:r>
-              <a:rPr lang="fr-FR" dirty="0"/>
+              <a:rPr lang="fr-FR" sz="2400" dirty="0"/>
               <a:t>Nos objectifs, nos motivations</a:t>
             </a:r>
           </a:p>
           <a:p>
             <a:pPr lvl="1"/>
             <a:r>
-              <a:rPr lang="fr-FR" dirty="0"/>
+              <a:rPr lang="fr-FR" sz="2400" dirty="0"/>
               <a:t>Explication du projet</a:t>
             </a:r>
           </a:p>
           <a:p>
             <a:pPr lvl="1"/>
             <a:r>
-              <a:rPr lang="fr-FR" dirty="0"/>
+              <a:rPr lang="fr-FR" sz="2400" dirty="0"/>
               <a:t>Matériel utilisé</a:t>
             </a:r>
           </a:p>
           <a:p>
             <a:pPr lvl="1"/>
             <a:r>
-              <a:rPr lang="fr-FR" dirty="0"/>
+              <a:rPr lang="fr-FR" sz="2400" dirty="0"/>
               <a:t>Planning</a:t>
             </a:r>
           </a:p>
           <a:p>
             <a:pPr lvl="1"/>
             <a:r>
-              <a:rPr lang="fr-FR" dirty="0"/>
+              <a:rPr lang="fr-FR" sz="2400" dirty="0"/>
               <a:t>Conception du bras </a:t>
             </a:r>
           </a:p>
@@ -5637,7 +5628,7 @@
         </p:nvSpPr>
         <p:spPr>
           <a:xfrm>
-            <a:off x="713087" y="661469"/>
+            <a:off x="795646" y="756049"/>
             <a:ext cx="2626879" cy="1008693"/>
           </a:xfrm>
         </p:spPr>
@@ -5670,7 +5661,7 @@
         </p:nvSpPr>
         <p:spPr>
           <a:xfrm>
-            <a:off x="8489481" y="2071483"/>
+            <a:off x="6964534" y="2143852"/>
             <a:ext cx="2787331" cy="987212"/>
           </a:xfrm>
           <a:prstGeom prst="rect">
@@ -5782,7 +5773,7 @@
         </p:nvSpPr>
         <p:spPr>
           <a:xfrm>
-            <a:off x="646528" y="4100717"/>
+            <a:off x="795646" y="3703973"/>
             <a:ext cx="4139650" cy="904419"/>
           </a:xfrm>
           <a:prstGeom prst="rect">
@@ -5875,6 +5866,181 @@
               <a:rPr lang="fr-FR" sz="2800" dirty="0"/>
               <a:t>Problématique :  </a:t>
             </a:r>
+          </a:p>
+        </p:txBody>
+      </p:sp>
+      <p:sp>
+        <p:nvSpPr>
+          <p:cNvPr id="3" name="ZoneTexte 2">
+            <a:extLst>
+              <a:ext uri="{FF2B5EF4-FFF2-40B4-BE49-F238E27FC236}">
+                <a16:creationId xmlns:a16="http://schemas.microsoft.com/office/drawing/2014/main" id="{7AF885D2-94D4-1C94-C9C8-8ACF59BAD384}"/>
+              </a:ext>
+            </a:extLst>
+          </p:cNvPr>
+          <p:cNvSpPr txBox="1"/>
+          <p:nvPr/>
+        </p:nvSpPr>
+        <p:spPr>
+          <a:xfrm>
+            <a:off x="1212784" y="1918710"/>
+            <a:ext cx="3430340" cy="1477328"/>
+          </a:xfrm>
+          <a:prstGeom prst="rect">
+            <a:avLst/>
+          </a:prstGeom>
+          <a:noFill/>
+        </p:spPr>
+        <p:txBody>
+          <a:bodyPr wrap="square" rtlCol="0">
+            <a:spAutoFit/>
+          </a:bodyPr>
+          <a:lstStyle/>
+          <a:p>
+            <a:pPr marL="285750" indent="-285750">
+              <a:buFont typeface="Wingdings" panose="05000000000000000000" pitchFamily="2" charset="2"/>
+              <a:buChar char="Ø"/>
+            </a:pPr>
+            <a:r>
+              <a:rPr lang="fr-FR" dirty="0"/>
+              <a:t>Sujet distrayant</a:t>
+            </a:r>
+          </a:p>
+          <a:p>
+            <a:pPr marL="285750" indent="-285750">
+              <a:buFont typeface="Wingdings" panose="05000000000000000000" pitchFamily="2" charset="2"/>
+              <a:buChar char="Ø"/>
+            </a:pPr>
+            <a:r>
+              <a:rPr lang="fr-FR" dirty="0"/>
+              <a:t>Découverte de quelque chose que tout le monde connais</a:t>
+            </a:r>
+          </a:p>
+          <a:p>
+            <a:pPr marL="285750" indent="-285750">
+              <a:buFont typeface="Wingdings" panose="05000000000000000000" pitchFamily="2" charset="2"/>
+              <a:buChar char="Ø"/>
+            </a:pPr>
+            <a:endParaRPr lang="fr-FR" dirty="0"/>
+          </a:p>
+        </p:txBody>
+      </p:sp>
+      <p:sp>
+        <p:nvSpPr>
+          <p:cNvPr id="5" name="ZoneTexte 4">
+            <a:extLst>
+              <a:ext uri="{FF2B5EF4-FFF2-40B4-BE49-F238E27FC236}">
+                <a16:creationId xmlns:a16="http://schemas.microsoft.com/office/drawing/2014/main" id="{E1F41C57-E5D8-BF5B-D0EC-E3877B81DAFD}"/>
+              </a:ext>
+            </a:extLst>
+          </p:cNvPr>
+          <p:cNvSpPr txBox="1"/>
+          <p:nvPr/>
+        </p:nvSpPr>
+        <p:spPr>
+          <a:xfrm>
+            <a:off x="7256706" y="3131064"/>
+            <a:ext cx="3888649" cy="1477328"/>
+          </a:xfrm>
+          <a:prstGeom prst="rect">
+            <a:avLst/>
+          </a:prstGeom>
+          <a:noFill/>
+        </p:spPr>
+        <p:txBody>
+          <a:bodyPr wrap="square" rtlCol="0">
+            <a:spAutoFit/>
+          </a:bodyPr>
+          <a:lstStyle/>
+          <a:p>
+            <a:pPr marL="285750" indent="-285750">
+              <a:buFont typeface="Wingdings" panose="05000000000000000000" pitchFamily="2" charset="2"/>
+              <a:buChar char="Ø"/>
+            </a:pPr>
+            <a:r>
+              <a:rPr lang="fr-FR" dirty="0"/>
+              <a:t>Développer une voiture qui roule vite</a:t>
+            </a:r>
+          </a:p>
+          <a:p>
+            <a:pPr marL="285750" indent="-285750">
+              <a:buFont typeface="Wingdings" panose="05000000000000000000" pitchFamily="2" charset="2"/>
+              <a:buChar char="Ø"/>
+            </a:pPr>
+            <a:r>
+              <a:rPr lang="fr-FR" dirty="0"/>
+              <a:t>Tout construire de A à Z</a:t>
+            </a:r>
+          </a:p>
+          <a:p>
+            <a:pPr marL="285750" indent="-285750">
+              <a:buFont typeface="Wingdings" panose="05000000000000000000" pitchFamily="2" charset="2"/>
+              <a:buChar char="Ø"/>
+            </a:pPr>
+            <a:endParaRPr lang="fr-FR" dirty="0"/>
+          </a:p>
+          <a:p>
+            <a:pPr marL="285750" indent="-285750">
+              <a:buFont typeface="Wingdings" panose="05000000000000000000" pitchFamily="2" charset="2"/>
+              <a:buChar char="Ø"/>
+            </a:pPr>
+            <a:endParaRPr lang="fr-FR" dirty="0"/>
+          </a:p>
+        </p:txBody>
+      </p:sp>
+      <p:sp>
+        <p:nvSpPr>
+          <p:cNvPr id="7" name="ZoneTexte 6">
+            <a:extLst>
+              <a:ext uri="{FF2B5EF4-FFF2-40B4-BE49-F238E27FC236}">
+                <a16:creationId xmlns:a16="http://schemas.microsoft.com/office/drawing/2014/main" id="{DB0B3C72-9EDB-CFCF-C637-F6FA3B3182E9}"/>
+              </a:ext>
+            </a:extLst>
+          </p:cNvPr>
+          <p:cNvSpPr txBox="1"/>
+          <p:nvPr/>
+        </p:nvSpPr>
+        <p:spPr>
+          <a:xfrm>
+            <a:off x="1212784" y="4608392"/>
+            <a:ext cx="4589718" cy="923330"/>
+          </a:xfrm>
+          <a:prstGeom prst="rect">
+            <a:avLst/>
+          </a:prstGeom>
+          <a:noFill/>
+        </p:spPr>
+        <p:txBody>
+          <a:bodyPr wrap="none" rtlCol="0">
+            <a:spAutoFit/>
+          </a:bodyPr>
+          <a:lstStyle/>
+          <a:p>
+            <a:pPr marL="285750" indent="-285750">
+              <a:buFont typeface="Wingdings" panose="05000000000000000000" pitchFamily="2" charset="2"/>
+              <a:buChar char="Ø"/>
+            </a:pPr>
+            <a:r>
+              <a:rPr lang="fr-FR" dirty="0"/>
+              <a:t>Comment construire un châssis ?</a:t>
+            </a:r>
+          </a:p>
+          <a:p>
+            <a:pPr marL="285750" indent="-285750">
+              <a:buFont typeface="Wingdings" panose="05000000000000000000" pitchFamily="2" charset="2"/>
+              <a:buChar char="Ø"/>
+            </a:pPr>
+            <a:r>
+              <a:rPr lang="fr-FR" dirty="0"/>
+              <a:t>Comment gérer la communication ?</a:t>
+            </a:r>
+          </a:p>
+          <a:p>
+            <a:pPr marL="285750" indent="-285750">
+              <a:buFont typeface="Wingdings" panose="05000000000000000000" pitchFamily="2" charset="2"/>
+              <a:buChar char="Ø"/>
+            </a:pPr>
+            <a:endParaRPr lang="fr-FR" dirty="0"/>
           </a:p>
         </p:txBody>
       </p:sp>
@@ -5969,7 +6135,7 @@
           <a:p>
             <a:r>
               <a:rPr lang="fr-FR" dirty="0"/>
-              <a:t>FONCTIONS :</a:t>
+              <a:t>FONCTIONS/Code</a:t>
             </a:r>
           </a:p>
           <a:p>
@@ -6041,11 +6207,360 @@
           <a:p>
             <a:r>
               <a:rPr lang="fr-FR" dirty="0"/>
-              <a:t>Matériel et utilisation/code</a:t>
-            </a:r>
-          </a:p>
-        </p:txBody>
-      </p:sp>
+              <a:t>Matériel et utilisation</a:t>
+            </a:r>
+          </a:p>
+        </p:txBody>
+      </p:sp>
+      <p:sp>
+        <p:nvSpPr>
+          <p:cNvPr id="3" name="ZoneTexte 2">
+            <a:extLst>
+              <a:ext uri="{FF2B5EF4-FFF2-40B4-BE49-F238E27FC236}">
+                <a16:creationId xmlns:a16="http://schemas.microsoft.com/office/drawing/2014/main" id="{378E73A6-07C0-5452-3661-E8817434BBB3}"/>
+              </a:ext>
+            </a:extLst>
+          </p:cNvPr>
+          <p:cNvSpPr txBox="1"/>
+          <p:nvPr/>
+        </p:nvSpPr>
+        <p:spPr>
+          <a:xfrm>
+            <a:off x="904774" y="1963554"/>
+            <a:ext cx="3292889" cy="369332"/>
+          </a:xfrm>
+          <a:prstGeom prst="rect">
+            <a:avLst/>
+          </a:prstGeom>
+          <a:noFill/>
+        </p:spPr>
+        <p:txBody>
+          <a:bodyPr wrap="none" rtlCol="0">
+            <a:spAutoFit/>
+          </a:bodyPr>
+          <a:lstStyle/>
+          <a:p>
+            <a:pPr marL="285750" indent="-285750">
+              <a:buFont typeface="Wingdings" panose="05000000000000000000" pitchFamily="2" charset="2"/>
+              <a:buChar char="q"/>
+            </a:pPr>
+            <a:r>
+              <a:rPr lang="fr-FR" dirty="0"/>
+              <a:t>Une carte ARDUINO UNO</a:t>
+            </a:r>
+          </a:p>
+        </p:txBody>
+      </p:sp>
+      <p:sp>
+        <p:nvSpPr>
+          <p:cNvPr id="4" name="ZoneTexte 3">
+            <a:extLst>
+              <a:ext uri="{FF2B5EF4-FFF2-40B4-BE49-F238E27FC236}">
+                <a16:creationId xmlns:a16="http://schemas.microsoft.com/office/drawing/2014/main" id="{370D2D80-44F5-BFD0-1B7D-79B41A8302BD}"/>
+              </a:ext>
+            </a:extLst>
+          </p:cNvPr>
+          <p:cNvSpPr txBox="1"/>
+          <p:nvPr/>
+        </p:nvSpPr>
+        <p:spPr>
+          <a:xfrm>
+            <a:off x="4985886" y="2447224"/>
+            <a:ext cx="1859805" cy="369332"/>
+          </a:xfrm>
+          <a:prstGeom prst="rect">
+            <a:avLst/>
+          </a:prstGeom>
+          <a:noFill/>
+        </p:spPr>
+        <p:txBody>
+          <a:bodyPr wrap="none" rtlCol="0">
+            <a:spAutoFit/>
+          </a:bodyPr>
+          <a:lstStyle/>
+          <a:p>
+            <a:pPr marL="285750" indent="-285750">
+              <a:buFont typeface="Wingdings" panose="05000000000000000000" pitchFamily="2" charset="2"/>
+              <a:buChar char="q"/>
+            </a:pPr>
+            <a:r>
+              <a:rPr lang="fr-FR" dirty="0"/>
+              <a:t>Deux pont H</a:t>
+            </a:r>
+          </a:p>
+        </p:txBody>
+      </p:sp>
+      <p:sp>
+        <p:nvSpPr>
+          <p:cNvPr id="5" name="ZoneTexte 4">
+            <a:extLst>
+              <a:ext uri="{FF2B5EF4-FFF2-40B4-BE49-F238E27FC236}">
+                <a16:creationId xmlns:a16="http://schemas.microsoft.com/office/drawing/2014/main" id="{58C183AF-C093-41DA-031C-E734A29970B4}"/>
+              </a:ext>
+            </a:extLst>
+          </p:cNvPr>
+          <p:cNvSpPr txBox="1"/>
+          <p:nvPr/>
+        </p:nvSpPr>
+        <p:spPr>
+          <a:xfrm>
+            <a:off x="808523" y="4690884"/>
+            <a:ext cx="3020379" cy="369332"/>
+          </a:xfrm>
+          <a:prstGeom prst="rect">
+            <a:avLst/>
+          </a:prstGeom>
+          <a:noFill/>
+        </p:spPr>
+        <p:txBody>
+          <a:bodyPr wrap="none" rtlCol="0">
+            <a:spAutoFit/>
+          </a:bodyPr>
+          <a:lstStyle/>
+          <a:p>
+            <a:pPr marL="285750" indent="-285750">
+              <a:buFont typeface="Wingdings" panose="05000000000000000000" pitchFamily="2" charset="2"/>
+              <a:buChar char="q"/>
+            </a:pPr>
+            <a:r>
+              <a:rPr lang="fr-FR" dirty="0"/>
+              <a:t>Deux moteurs </a:t>
+            </a:r>
+            <a:r>
+              <a:rPr lang="fr-FR" dirty="0" err="1"/>
+              <a:t>Brothless</a:t>
+            </a:r>
+            <a:endParaRPr lang="fr-FR" dirty="0"/>
+          </a:p>
+        </p:txBody>
+      </p:sp>
+      <p:sp>
+        <p:nvSpPr>
+          <p:cNvPr id="6" name="ZoneTexte 5">
+            <a:extLst>
+              <a:ext uri="{FF2B5EF4-FFF2-40B4-BE49-F238E27FC236}">
+                <a16:creationId xmlns:a16="http://schemas.microsoft.com/office/drawing/2014/main" id="{F7E77974-8120-16C7-A112-DC8D10614C6E}"/>
+              </a:ext>
+            </a:extLst>
+          </p:cNvPr>
+          <p:cNvSpPr txBox="1"/>
+          <p:nvPr/>
+        </p:nvSpPr>
+        <p:spPr>
+          <a:xfrm>
+            <a:off x="8576110" y="972151"/>
+            <a:ext cx="2807179" cy="369332"/>
+          </a:xfrm>
+          <a:prstGeom prst="rect">
+            <a:avLst/>
+          </a:prstGeom>
+          <a:noFill/>
+        </p:spPr>
+        <p:txBody>
+          <a:bodyPr wrap="none" rtlCol="0">
+            <a:spAutoFit/>
+          </a:bodyPr>
+          <a:lstStyle/>
+          <a:p>
+            <a:pPr marL="285750" indent="-285750">
+              <a:buFont typeface="Wingdings" panose="05000000000000000000" pitchFamily="2" charset="2"/>
+              <a:buChar char="q"/>
+            </a:pPr>
+            <a:r>
+              <a:rPr lang="fr-FR" dirty="0"/>
+              <a:t>Deux modules HC-12</a:t>
+            </a:r>
+          </a:p>
+        </p:txBody>
+      </p:sp>
+      <p:pic>
+        <p:nvPicPr>
+          <p:cNvPr id="8" name="Image 7">
+            <a:extLst>
+              <a:ext uri="{FF2B5EF4-FFF2-40B4-BE49-F238E27FC236}">
+                <a16:creationId xmlns:a16="http://schemas.microsoft.com/office/drawing/2014/main" id="{11415708-D17C-A2C8-235F-5E8CE5A0C4F6}"/>
+              </a:ext>
+            </a:extLst>
+          </p:cNvPr>
+          <p:cNvPicPr>
+            <a:picLocks noChangeAspect="1"/>
+          </p:cNvPicPr>
+          <p:nvPr/>
+        </p:nvPicPr>
+        <p:blipFill rotWithShape="1">
+          <a:blip r:embed="rId2"/>
+          <a:srcRect l="10790" t="7048"/>
+          <a:stretch/>
+        </p:blipFill>
+        <p:spPr>
+          <a:xfrm rot="5400000">
+            <a:off x="1387372" y="2336938"/>
+            <a:ext cx="1862679" cy="2452584"/>
+          </a:xfrm>
+          <a:prstGeom prst="rect">
+            <a:avLst/>
+          </a:prstGeom>
+        </p:spPr>
+      </p:pic>
+      <p:pic>
+        <p:nvPicPr>
+          <p:cNvPr id="10" name="Image 9">
+            <a:extLst>
+              <a:ext uri="{FF2B5EF4-FFF2-40B4-BE49-F238E27FC236}">
+                <a16:creationId xmlns:a16="http://schemas.microsoft.com/office/drawing/2014/main" id="{8F4DEC34-27F4-F560-E993-79EA6DCFA310}"/>
+              </a:ext>
+            </a:extLst>
+          </p:cNvPr>
+          <p:cNvPicPr>
+            <a:picLocks noChangeAspect="1"/>
+          </p:cNvPicPr>
+          <p:nvPr/>
+        </p:nvPicPr>
+        <p:blipFill>
+          <a:blip r:embed="rId3"/>
+          <a:stretch>
+            <a:fillRect/>
+          </a:stretch>
+        </p:blipFill>
+        <p:spPr>
+          <a:xfrm>
+            <a:off x="5034127" y="2884671"/>
+            <a:ext cx="2123746" cy="2175545"/>
+          </a:xfrm>
+          <a:prstGeom prst="rect">
+            <a:avLst/>
+          </a:prstGeom>
+        </p:spPr>
+      </p:pic>
+      <p:sp>
+        <p:nvSpPr>
+          <p:cNvPr id="11" name="ZoneTexte 10">
+            <a:extLst>
+              <a:ext uri="{FF2B5EF4-FFF2-40B4-BE49-F238E27FC236}">
+                <a16:creationId xmlns:a16="http://schemas.microsoft.com/office/drawing/2014/main" id="{73CFA0DE-0817-4090-7FC8-BCABC056D171}"/>
+              </a:ext>
+            </a:extLst>
+          </p:cNvPr>
+          <p:cNvSpPr txBox="1"/>
+          <p:nvPr/>
+        </p:nvSpPr>
+        <p:spPr>
+          <a:xfrm>
+            <a:off x="8219975" y="3566407"/>
+            <a:ext cx="2645276" cy="369332"/>
+          </a:xfrm>
+          <a:prstGeom prst="rect">
+            <a:avLst/>
+          </a:prstGeom>
+          <a:noFill/>
+        </p:spPr>
+        <p:txBody>
+          <a:bodyPr wrap="none" rtlCol="0">
+            <a:spAutoFit/>
+          </a:bodyPr>
+          <a:lstStyle/>
+          <a:p>
+            <a:pPr marL="285750" indent="-285750">
+              <a:buFont typeface="Wingdings" panose="05000000000000000000" pitchFamily="2" charset="2"/>
+              <a:buChar char="q"/>
+            </a:pPr>
+            <a:r>
+              <a:rPr lang="fr-FR" dirty="0"/>
+              <a:t>Un cerveau moteur</a:t>
+            </a:r>
+          </a:p>
+        </p:txBody>
+      </p:sp>
+      <p:pic>
+        <p:nvPicPr>
+          <p:cNvPr id="13" name="Image 12">
+            <a:extLst>
+              <a:ext uri="{FF2B5EF4-FFF2-40B4-BE49-F238E27FC236}">
+                <a16:creationId xmlns:a16="http://schemas.microsoft.com/office/drawing/2014/main" id="{9AE5C072-CA3A-958F-5F49-BBAACFE5BBD4}"/>
+              </a:ext>
+            </a:extLst>
+          </p:cNvPr>
+          <p:cNvPicPr>
+            <a:picLocks noChangeAspect="1"/>
+          </p:cNvPicPr>
+          <p:nvPr/>
+        </p:nvPicPr>
+        <p:blipFill>
+          <a:blip r:embed="rId4"/>
+          <a:stretch>
+            <a:fillRect/>
+          </a:stretch>
+        </p:blipFill>
+        <p:spPr>
+          <a:xfrm>
+            <a:off x="1418748" y="5127593"/>
+            <a:ext cx="1799925" cy="1528704"/>
+          </a:xfrm>
+          <a:prstGeom prst="rect">
+            <a:avLst/>
+          </a:prstGeom>
+        </p:spPr>
+      </p:pic>
+      <p:pic>
+        <p:nvPicPr>
+          <p:cNvPr id="15" name="Image 14">
+            <a:extLst>
+              <a:ext uri="{FF2B5EF4-FFF2-40B4-BE49-F238E27FC236}">
+                <a16:creationId xmlns:a16="http://schemas.microsoft.com/office/drawing/2014/main" id="{926AC203-A7D7-897F-B2B6-A358572DCE8F}"/>
+              </a:ext>
+            </a:extLst>
+          </p:cNvPr>
+          <p:cNvPicPr>
+            <a:picLocks noChangeAspect="1"/>
+          </p:cNvPicPr>
+          <p:nvPr/>
+        </p:nvPicPr>
+        <p:blipFill>
+          <a:blip r:embed="rId5"/>
+          <a:stretch>
+            <a:fillRect/>
+          </a:stretch>
+        </p:blipFill>
+        <p:spPr>
+          <a:xfrm>
+            <a:off x="8646996" y="1448083"/>
+            <a:ext cx="2711851" cy="1658845"/>
+          </a:xfrm>
+          <a:prstGeom prst="rect">
+            <a:avLst/>
+          </a:prstGeom>
+        </p:spPr>
+      </p:pic>
+      <p:pic>
+        <p:nvPicPr>
+          <p:cNvPr id="17" name="Image 16">
+            <a:extLst>
+              <a:ext uri="{FF2B5EF4-FFF2-40B4-BE49-F238E27FC236}">
+                <a16:creationId xmlns:a16="http://schemas.microsoft.com/office/drawing/2014/main" id="{1BDE0707-286E-8F6C-04FE-8ADEBC8352C9}"/>
+              </a:ext>
+            </a:extLst>
+          </p:cNvPr>
+          <p:cNvPicPr>
+            <a:picLocks noChangeAspect="1"/>
+          </p:cNvPicPr>
+          <p:nvPr/>
+        </p:nvPicPr>
+        <p:blipFill>
+          <a:blip r:embed="rId6"/>
+          <a:stretch>
+            <a:fillRect/>
+          </a:stretch>
+        </p:blipFill>
+        <p:spPr>
+          <a:xfrm>
+            <a:off x="8581962" y="4395218"/>
+            <a:ext cx="1921301" cy="2022421"/>
+          </a:xfrm>
+          <a:prstGeom prst="rect">
+            <a:avLst/>
+          </a:prstGeom>
+        </p:spPr>
+      </p:pic>
     </p:spTree>
     <p:extLst>
       <p:ext uri="{BB962C8B-B14F-4D97-AF65-F5344CB8AC3E}">

--- a/PROJET ARDUINO oral.pptx
+++ b/PROJET ARDUINO oral.pptx
@@ -310,7 +310,7 @@
           <a:p>
             <a:fld id="{DF8E710F-3CC3-4BF5-8173-28A5DDFBC873}" type="datetimeFigureOut">
               <a:rPr lang="fr-FR" smtClean="0"/>
-              <a:t>11/03/2024</a:t>
+              <a:t>12/03/2024</a:t>
             </a:fld>
             <a:endParaRPr lang="fr-FR"/>
           </a:p>
@@ -746,7 +746,7 @@
           <a:p>
             <a:fld id="{DF8E710F-3CC3-4BF5-8173-28A5DDFBC873}" type="datetimeFigureOut">
               <a:rPr lang="fr-FR" smtClean="0"/>
-              <a:t>11/03/2024</a:t>
+              <a:t>12/03/2024</a:t>
             </a:fld>
             <a:endParaRPr lang="fr-FR"/>
           </a:p>
@@ -996,7 +996,7 @@
           <a:p>
             <a:fld id="{DF8E710F-3CC3-4BF5-8173-28A5DDFBC873}" type="datetimeFigureOut">
               <a:rPr lang="fr-FR" smtClean="0"/>
-              <a:t>11/03/2024</a:t>
+              <a:t>12/03/2024</a:t>
             </a:fld>
             <a:endParaRPr lang="fr-FR"/>
           </a:p>
@@ -1304,7 +1304,7 @@
           <a:p>
             <a:fld id="{DF8E710F-3CC3-4BF5-8173-28A5DDFBC873}" type="datetimeFigureOut">
               <a:rPr lang="fr-FR" smtClean="0"/>
-              <a:t>11/03/2024</a:t>
+              <a:t>12/03/2024</a:t>
             </a:fld>
             <a:endParaRPr lang="fr-FR"/>
           </a:p>
@@ -1622,7 +1622,7 @@
           <a:p>
             <a:fld id="{DF8E710F-3CC3-4BF5-8173-28A5DDFBC873}" type="datetimeFigureOut">
               <a:rPr lang="fr-FR" smtClean="0"/>
-              <a:t>11/03/2024</a:t>
+              <a:t>12/03/2024</a:t>
             </a:fld>
             <a:endParaRPr lang="fr-FR"/>
           </a:p>
@@ -1924,7 +1924,7 @@
           <a:p>
             <a:fld id="{DF8E710F-3CC3-4BF5-8173-28A5DDFBC873}" type="datetimeFigureOut">
               <a:rPr lang="fr-FR" smtClean="0"/>
-              <a:t>11/03/2024</a:t>
+              <a:t>12/03/2024</a:t>
             </a:fld>
             <a:endParaRPr lang="fr-FR"/>
           </a:p>
@@ -2291,7 +2291,7 @@
           <a:p>
             <a:fld id="{DF8E710F-3CC3-4BF5-8173-28A5DDFBC873}" type="datetimeFigureOut">
               <a:rPr lang="fr-FR" smtClean="0"/>
-              <a:t>11/03/2024</a:t>
+              <a:t>12/03/2024</a:t>
             </a:fld>
             <a:endParaRPr lang="fr-FR"/>
           </a:p>
@@ -2465,7 +2465,7 @@
           <a:p>
             <a:fld id="{DF8E710F-3CC3-4BF5-8173-28A5DDFBC873}" type="datetimeFigureOut">
               <a:rPr lang="fr-FR" smtClean="0"/>
-              <a:t>11/03/2024</a:t>
+              <a:t>12/03/2024</a:t>
             </a:fld>
             <a:endParaRPr lang="fr-FR"/>
           </a:p>
@@ -2645,7 +2645,7 @@
           <a:p>
             <a:fld id="{DF8E710F-3CC3-4BF5-8173-28A5DDFBC873}" type="datetimeFigureOut">
               <a:rPr lang="fr-FR" smtClean="0"/>
-              <a:t>11/03/2024</a:t>
+              <a:t>12/03/2024</a:t>
             </a:fld>
             <a:endParaRPr lang="fr-FR"/>
           </a:p>
@@ -2815,7 +2815,7 @@
           <a:p>
             <a:fld id="{DF8E710F-3CC3-4BF5-8173-28A5DDFBC873}" type="datetimeFigureOut">
               <a:rPr lang="fr-FR" smtClean="0"/>
-              <a:t>11/03/2024</a:t>
+              <a:t>12/03/2024</a:t>
             </a:fld>
             <a:endParaRPr lang="fr-FR"/>
           </a:p>
@@ -3065,7 +3065,7 @@
           <a:p>
             <a:fld id="{DF8E710F-3CC3-4BF5-8173-28A5DDFBC873}" type="datetimeFigureOut">
               <a:rPr lang="fr-FR" smtClean="0"/>
-              <a:t>11/03/2024</a:t>
+              <a:t>12/03/2024</a:t>
             </a:fld>
             <a:endParaRPr lang="fr-FR"/>
           </a:p>
@@ -3301,7 +3301,7 @@
           <a:p>
             <a:fld id="{DF8E710F-3CC3-4BF5-8173-28A5DDFBC873}" type="datetimeFigureOut">
               <a:rPr lang="fr-FR" smtClean="0"/>
-              <a:t>11/03/2024</a:t>
+              <a:t>12/03/2024</a:t>
             </a:fld>
             <a:endParaRPr lang="fr-FR"/>
           </a:p>
@@ -3683,7 +3683,7 @@
           <a:p>
             <a:fld id="{DF8E710F-3CC3-4BF5-8173-28A5DDFBC873}" type="datetimeFigureOut">
               <a:rPr lang="fr-FR" smtClean="0"/>
-              <a:t>11/03/2024</a:t>
+              <a:t>12/03/2024</a:t>
             </a:fld>
             <a:endParaRPr lang="fr-FR"/>
           </a:p>
@@ -3801,7 +3801,7 @@
           <a:p>
             <a:fld id="{DF8E710F-3CC3-4BF5-8173-28A5DDFBC873}" type="datetimeFigureOut">
               <a:rPr lang="fr-FR" smtClean="0"/>
-              <a:t>11/03/2024</a:t>
+              <a:t>12/03/2024</a:t>
             </a:fld>
             <a:endParaRPr lang="fr-FR"/>
           </a:p>
@@ -3896,7 +3896,7 @@
           <a:p>
             <a:fld id="{DF8E710F-3CC3-4BF5-8173-28A5DDFBC873}" type="datetimeFigureOut">
               <a:rPr lang="fr-FR" smtClean="0"/>
-              <a:t>11/03/2024</a:t>
+              <a:t>12/03/2024</a:t>
             </a:fld>
             <a:endParaRPr lang="fr-FR"/>
           </a:p>
@@ -4151,7 +4151,7 @@
           <a:p>
             <a:fld id="{DF8E710F-3CC3-4BF5-8173-28A5DDFBC873}" type="datetimeFigureOut">
               <a:rPr lang="fr-FR" smtClean="0"/>
-              <a:t>11/03/2024</a:t>
+              <a:t>12/03/2024</a:t>
             </a:fld>
             <a:endParaRPr lang="fr-FR"/>
           </a:p>
@@ -4434,7 +4434,7 @@
           <a:p>
             <a:fld id="{DF8E710F-3CC3-4BF5-8173-28A5DDFBC873}" type="datetimeFigureOut">
               <a:rPr lang="fr-FR" smtClean="0"/>
-              <a:t>11/03/2024</a:t>
+              <a:t>12/03/2024</a:t>
             </a:fld>
             <a:endParaRPr lang="fr-FR"/>
           </a:p>
@@ -4840,7 +4840,7 @@
           <a:p>
             <a:fld id="{DF8E710F-3CC3-4BF5-8173-28A5DDFBC873}" type="datetimeFigureOut">
               <a:rPr lang="fr-FR" smtClean="0"/>
-              <a:t>11/03/2024</a:t>
+              <a:t>12/03/2024</a:t>
             </a:fld>
             <a:endParaRPr lang="fr-FR"/>
           </a:p>
@@ -6125,7 +6125,7 @@
         </p:nvSpPr>
         <p:spPr>
           <a:xfrm>
-            <a:off x="684212" y="2562726"/>
+            <a:off x="684212" y="2129589"/>
             <a:ext cx="8534400" cy="3615267"/>
           </a:xfrm>
         </p:spPr>
@@ -6135,8 +6135,49 @@
           <a:p>
             <a:r>
               <a:rPr lang="fr-FR" dirty="0"/>
-              <a:t>FONCTIONS/Code</a:t>
-            </a:r>
+              <a:t>FONCTIONS : </a:t>
+            </a:r>
+          </a:p>
+          <a:p>
+            <a:pPr lvl="1"/>
+            <a:r>
+              <a:rPr lang="fr-FR" dirty="0">
+                <a:solidFill>
+                  <a:schemeClr val="tx1"/>
+                </a:solidFill>
+              </a:rPr>
+              <a:t>Faire rouler la voiture</a:t>
+            </a:r>
+          </a:p>
+          <a:p>
+            <a:pPr lvl="1"/>
+            <a:r>
+              <a:rPr lang="fr-FR" dirty="0">
+                <a:solidFill>
+                  <a:schemeClr val="tx1"/>
+                </a:solidFill>
+              </a:rPr>
+              <a:t>Faire tourner la voiture</a:t>
+            </a:r>
+          </a:p>
+          <a:p>
+            <a:pPr lvl="1"/>
+            <a:r>
+              <a:rPr lang="fr-FR" dirty="0">
+                <a:solidFill>
+                  <a:schemeClr val="tx1"/>
+                </a:solidFill>
+              </a:rPr>
+              <a:t>Télécommunication </a:t>
+            </a:r>
+          </a:p>
+          <a:p>
+            <a:pPr lvl="1"/>
+            <a:endParaRPr lang="fr-FR" dirty="0">
+              <a:solidFill>
+                <a:schemeClr val="tx1"/>
+              </a:solidFill>
+            </a:endParaRPr>
           </a:p>
           <a:p>
             <a:endParaRPr lang="fr-FR" dirty="0"/>
@@ -6207,7 +6248,7 @@
           <a:p>
             <a:r>
               <a:rPr lang="fr-FR" dirty="0"/>
-              <a:t>Matériel et utilisation</a:t>
+              <a:t>Matériel </a:t>
             </a:r>
           </a:p>
         </p:txBody>
@@ -6305,7 +6346,7 @@
         <p:spPr>
           <a:xfrm>
             <a:off x="808523" y="4690884"/>
-            <a:ext cx="3020379" cy="369332"/>
+            <a:ext cx="3812262" cy="369332"/>
           </a:xfrm>
           <a:prstGeom prst="rect">
             <a:avLst/>
@@ -6324,13 +6365,8 @@
             </a:pPr>
             <a:r>
               <a:rPr lang="fr-FR" dirty="0"/>
-              <a:t>Deux moteurs </a:t>
-            </a:r>
-            <a:r>
-              <a:rPr lang="fr-FR" dirty="0" err="1"/>
-              <a:t>Brothless</a:t>
-            </a:r>
-            <a:endParaRPr lang="fr-FR" dirty="0"/>
+              <a:t>Trois moteurs tension continue</a:t>
+            </a:r>
           </a:p>
         </p:txBody>
       </p:sp>
@@ -6447,7 +6483,7 @@
         <p:spPr>
           <a:xfrm>
             <a:off x="8219975" y="3566407"/>
-            <a:ext cx="2645276" cy="369332"/>
+            <a:ext cx="1338828" cy="369332"/>
           </a:xfrm>
           <a:prstGeom prst="rect">
             <a:avLst/>
@@ -6466,7 +6502,7 @@
             </a:pPr>
             <a:r>
               <a:rPr lang="fr-FR" dirty="0"/>
-              <a:t>Un cerveau moteur</a:t>
+              <a:t>Châssis </a:t>
             </a:r>
           </a:p>
         </p:txBody>
@@ -6525,36 +6561,6 @@
           <a:xfrm>
             <a:off x="8646996" y="1448083"/>
             <a:ext cx="2711851" cy="1658845"/>
-          </a:xfrm>
-          <a:prstGeom prst="rect">
-            <a:avLst/>
-          </a:prstGeom>
-        </p:spPr>
-      </p:pic>
-      <p:pic>
-        <p:nvPicPr>
-          <p:cNvPr id="17" name="Image 16">
-            <a:extLst>
-              <a:ext uri="{FF2B5EF4-FFF2-40B4-BE49-F238E27FC236}">
-                <a16:creationId xmlns:a16="http://schemas.microsoft.com/office/drawing/2014/main" id="{1BDE0707-286E-8F6C-04FE-8ADEBC8352C9}"/>
-              </a:ext>
-            </a:extLst>
-          </p:cNvPr>
-          <p:cNvPicPr>
-            <a:picLocks noChangeAspect="1"/>
-          </p:cNvPicPr>
-          <p:nvPr/>
-        </p:nvPicPr>
-        <p:blipFill>
-          <a:blip r:embed="rId6"/>
-          <a:stretch>
-            <a:fillRect/>
-          </a:stretch>
-        </p:blipFill>
-        <p:spPr>
-          <a:xfrm>
-            <a:off x="8581962" y="4395218"/>
-            <a:ext cx="1921301" cy="2022421"/>
           </a:xfrm>
           <a:prstGeom prst="rect">
             <a:avLst/>
@@ -6626,10 +6632,10 @@
       </p:sp>
       <p:pic>
         <p:nvPicPr>
-          <p:cNvPr id="5" name="Image 4">
+          <p:cNvPr id="4" name="Image 3">
             <a:extLst>
               <a:ext uri="{FF2B5EF4-FFF2-40B4-BE49-F238E27FC236}">
-                <a16:creationId xmlns:a16="http://schemas.microsoft.com/office/drawing/2014/main" id="{975C5B94-1B34-9601-69DA-70776CEB57EB}"/>
+                <a16:creationId xmlns:a16="http://schemas.microsoft.com/office/drawing/2014/main" id="{873B5F2A-38B0-E909-3AF9-FFC730E2BC76}"/>
               </a:ext>
             </a:extLst>
           </p:cNvPr>
@@ -6640,13 +6646,13 @@
         </p:nvPicPr>
         <p:blipFill rotWithShape="1">
           <a:blip r:embed="rId2"/>
-          <a:srcRect l="2275" t="4256" r="3502" b="5248"/>
+          <a:srcRect t="2297" r="2193" b="4241"/>
           <a:stretch/>
         </p:blipFill>
         <p:spPr>
           <a:xfrm>
-            <a:off x="444499" y="1612900"/>
-            <a:ext cx="11280141" cy="4978400"/>
+            <a:off x="247048" y="1655234"/>
+            <a:ext cx="11656037" cy="3860638"/>
           </a:xfrm>
           <a:prstGeom prst="rect">
             <a:avLst/>

--- a/PROJET ARDUINO oral.pptx
+++ b/PROJET ARDUINO oral.pptx
@@ -6567,6 +6567,50 @@
           </a:prstGeom>
         </p:spPr>
       </p:pic>
+      <p:sp>
+        <p:nvSpPr>
+          <p:cNvPr id="7" name="ZoneTexte 6">
+            <a:extLst>
+              <a:ext uri="{FF2B5EF4-FFF2-40B4-BE49-F238E27FC236}">
+                <a16:creationId xmlns:a16="http://schemas.microsoft.com/office/drawing/2014/main" id="{F0DD1C52-2920-27DF-DB30-E9332BCDC0D9}"/>
+              </a:ext>
+            </a:extLst>
+          </p:cNvPr>
+          <p:cNvSpPr txBox="1"/>
+          <p:nvPr/>
+        </p:nvSpPr>
+        <p:spPr>
+          <a:xfrm>
+            <a:off x="4985885" y="602819"/>
+            <a:ext cx="2076209" cy="369332"/>
+          </a:xfrm>
+          <a:prstGeom prst="rect">
+            <a:avLst/>
+          </a:prstGeom>
+          <a:noFill/>
+        </p:spPr>
+        <p:txBody>
+          <a:bodyPr wrap="none" rtlCol="0">
+            <a:spAutoFit/>
+          </a:bodyPr>
+          <a:lstStyle/>
+          <a:p>
+            <a:pPr marL="285750" indent="-285750">
+              <a:buFont typeface="Wingdings" panose="05000000000000000000" pitchFamily="2" charset="2"/>
+              <a:buChar char="q"/>
+            </a:pPr>
+            <a:r>
+              <a:rPr lang="fr-FR" dirty="0"/>
+              <a:t>Batterie 3 </a:t>
+            </a:r>
+            <a:r>
+              <a:rPr lang="fr-FR" dirty="0" err="1"/>
+              <a:t>cells</a:t>
+            </a:r>
+            <a:endParaRPr lang="fr-FR" dirty="0"/>
+          </a:p>
+        </p:txBody>
+      </p:sp>
     </p:spTree>
     <p:extLst>
       <p:ext uri="{BB962C8B-B14F-4D97-AF65-F5344CB8AC3E}">

--- a/PROJET ARDUINO oral.pptx
+++ b/PROJET ARDUINO oral.pptx
@@ -8,8 +8,8 @@
     <p:sldId id="256" r:id="rId2"/>
     <p:sldId id="257" r:id="rId3"/>
     <p:sldId id="258" r:id="rId4"/>
-    <p:sldId id="259" r:id="rId5"/>
-    <p:sldId id="261" r:id="rId6"/>
+    <p:sldId id="261" r:id="rId5"/>
+    <p:sldId id="259" r:id="rId6"/>
     <p:sldId id="262" r:id="rId7"/>
     <p:sldId id="260" r:id="rId8"/>
     <p:sldId id="263" r:id="rId9"/>
@@ -310,7 +310,7 @@
           <a:p>
             <a:fld id="{DF8E710F-3CC3-4BF5-8173-28A5DDFBC873}" type="datetimeFigureOut">
               <a:rPr lang="fr-FR" smtClean="0"/>
-              <a:t>12/03/2024</a:t>
+              <a:t>14/03/2024</a:t>
             </a:fld>
             <a:endParaRPr lang="fr-FR"/>
           </a:p>
@@ -746,7 +746,7 @@
           <a:p>
             <a:fld id="{DF8E710F-3CC3-4BF5-8173-28A5DDFBC873}" type="datetimeFigureOut">
               <a:rPr lang="fr-FR" smtClean="0"/>
-              <a:t>12/03/2024</a:t>
+              <a:t>14/03/2024</a:t>
             </a:fld>
             <a:endParaRPr lang="fr-FR"/>
           </a:p>
@@ -996,7 +996,7 @@
           <a:p>
             <a:fld id="{DF8E710F-3CC3-4BF5-8173-28A5DDFBC873}" type="datetimeFigureOut">
               <a:rPr lang="fr-FR" smtClean="0"/>
-              <a:t>12/03/2024</a:t>
+              <a:t>14/03/2024</a:t>
             </a:fld>
             <a:endParaRPr lang="fr-FR"/>
           </a:p>
@@ -1304,7 +1304,7 @@
           <a:p>
             <a:fld id="{DF8E710F-3CC3-4BF5-8173-28A5DDFBC873}" type="datetimeFigureOut">
               <a:rPr lang="fr-FR" smtClean="0"/>
-              <a:t>12/03/2024</a:t>
+              <a:t>14/03/2024</a:t>
             </a:fld>
             <a:endParaRPr lang="fr-FR"/>
           </a:p>
@@ -1622,7 +1622,7 @@
           <a:p>
             <a:fld id="{DF8E710F-3CC3-4BF5-8173-28A5DDFBC873}" type="datetimeFigureOut">
               <a:rPr lang="fr-FR" smtClean="0"/>
-              <a:t>12/03/2024</a:t>
+              <a:t>14/03/2024</a:t>
             </a:fld>
             <a:endParaRPr lang="fr-FR"/>
           </a:p>
@@ -1924,7 +1924,7 @@
           <a:p>
             <a:fld id="{DF8E710F-3CC3-4BF5-8173-28A5DDFBC873}" type="datetimeFigureOut">
               <a:rPr lang="fr-FR" smtClean="0"/>
-              <a:t>12/03/2024</a:t>
+              <a:t>14/03/2024</a:t>
             </a:fld>
             <a:endParaRPr lang="fr-FR"/>
           </a:p>
@@ -2291,7 +2291,7 @@
           <a:p>
             <a:fld id="{DF8E710F-3CC3-4BF5-8173-28A5DDFBC873}" type="datetimeFigureOut">
               <a:rPr lang="fr-FR" smtClean="0"/>
-              <a:t>12/03/2024</a:t>
+              <a:t>14/03/2024</a:t>
             </a:fld>
             <a:endParaRPr lang="fr-FR"/>
           </a:p>
@@ -2465,7 +2465,7 @@
           <a:p>
             <a:fld id="{DF8E710F-3CC3-4BF5-8173-28A5DDFBC873}" type="datetimeFigureOut">
               <a:rPr lang="fr-FR" smtClean="0"/>
-              <a:t>12/03/2024</a:t>
+              <a:t>14/03/2024</a:t>
             </a:fld>
             <a:endParaRPr lang="fr-FR"/>
           </a:p>
@@ -2645,7 +2645,7 @@
           <a:p>
             <a:fld id="{DF8E710F-3CC3-4BF5-8173-28A5DDFBC873}" type="datetimeFigureOut">
               <a:rPr lang="fr-FR" smtClean="0"/>
-              <a:t>12/03/2024</a:t>
+              <a:t>14/03/2024</a:t>
             </a:fld>
             <a:endParaRPr lang="fr-FR"/>
           </a:p>
@@ -2815,7 +2815,7 @@
           <a:p>
             <a:fld id="{DF8E710F-3CC3-4BF5-8173-28A5DDFBC873}" type="datetimeFigureOut">
               <a:rPr lang="fr-FR" smtClean="0"/>
-              <a:t>12/03/2024</a:t>
+              <a:t>14/03/2024</a:t>
             </a:fld>
             <a:endParaRPr lang="fr-FR"/>
           </a:p>
@@ -3065,7 +3065,7 @@
           <a:p>
             <a:fld id="{DF8E710F-3CC3-4BF5-8173-28A5DDFBC873}" type="datetimeFigureOut">
               <a:rPr lang="fr-FR" smtClean="0"/>
-              <a:t>12/03/2024</a:t>
+              <a:t>14/03/2024</a:t>
             </a:fld>
             <a:endParaRPr lang="fr-FR"/>
           </a:p>
@@ -3301,7 +3301,7 @@
           <a:p>
             <a:fld id="{DF8E710F-3CC3-4BF5-8173-28A5DDFBC873}" type="datetimeFigureOut">
               <a:rPr lang="fr-FR" smtClean="0"/>
-              <a:t>12/03/2024</a:t>
+              <a:t>14/03/2024</a:t>
             </a:fld>
             <a:endParaRPr lang="fr-FR"/>
           </a:p>
@@ -3683,7 +3683,7 @@
           <a:p>
             <a:fld id="{DF8E710F-3CC3-4BF5-8173-28A5DDFBC873}" type="datetimeFigureOut">
               <a:rPr lang="fr-FR" smtClean="0"/>
-              <a:t>12/03/2024</a:t>
+              <a:t>14/03/2024</a:t>
             </a:fld>
             <a:endParaRPr lang="fr-FR"/>
           </a:p>
@@ -3801,7 +3801,7 @@
           <a:p>
             <a:fld id="{DF8E710F-3CC3-4BF5-8173-28A5DDFBC873}" type="datetimeFigureOut">
               <a:rPr lang="fr-FR" smtClean="0"/>
-              <a:t>12/03/2024</a:t>
+              <a:t>14/03/2024</a:t>
             </a:fld>
             <a:endParaRPr lang="fr-FR"/>
           </a:p>
@@ -3896,7 +3896,7 @@
           <a:p>
             <a:fld id="{DF8E710F-3CC3-4BF5-8173-28A5DDFBC873}" type="datetimeFigureOut">
               <a:rPr lang="fr-FR" smtClean="0"/>
-              <a:t>12/03/2024</a:t>
+              <a:t>14/03/2024</a:t>
             </a:fld>
             <a:endParaRPr lang="fr-FR"/>
           </a:p>
@@ -4151,7 +4151,7 @@
           <a:p>
             <a:fld id="{DF8E710F-3CC3-4BF5-8173-28A5DDFBC873}" type="datetimeFigureOut">
               <a:rPr lang="fr-FR" smtClean="0"/>
-              <a:t>12/03/2024</a:t>
+              <a:t>14/03/2024</a:t>
             </a:fld>
             <a:endParaRPr lang="fr-FR"/>
           </a:p>
@@ -4434,7 +4434,7 @@
           <a:p>
             <a:fld id="{DF8E710F-3CC3-4BF5-8173-28A5DDFBC873}" type="datetimeFigureOut">
               <a:rPr lang="fr-FR" smtClean="0"/>
-              <a:t>12/03/2024</a:t>
+              <a:t>14/03/2024</a:t>
             </a:fld>
             <a:endParaRPr lang="fr-FR"/>
           </a:p>
@@ -4840,7 +4840,7 @@
           <a:p>
             <a:fld id="{DF8E710F-3CC3-4BF5-8173-28A5DDFBC873}" type="datetimeFigureOut">
               <a:rPr lang="fr-FR" smtClean="0"/>
-              <a:t>12/03/2024</a:t>
+              <a:t>14/03/2024</a:t>
             </a:fld>
             <a:endParaRPr lang="fr-FR"/>
           </a:p>
@@ -5548,14 +5548,14 @@
             <a:pPr lvl="1"/>
             <a:r>
               <a:rPr lang="fr-FR" sz="2400" dirty="0"/>
-              <a:t>Explication du projet</a:t>
+              <a:t>Matériel utilisé</a:t>
             </a:r>
           </a:p>
           <a:p>
             <a:pPr lvl="1"/>
             <a:r>
               <a:rPr lang="fr-FR" sz="2400" dirty="0"/>
-              <a:t>Matériel utilisé</a:t>
+              <a:t>Explication du fonctionnement</a:t>
             </a:r>
           </a:p>
           <a:p>
@@ -6079,7 +6079,7 @@
           <p:cNvPr id="2" name="Titre 1">
             <a:extLst>
               <a:ext uri="{FF2B5EF4-FFF2-40B4-BE49-F238E27FC236}">
-                <a16:creationId xmlns:a16="http://schemas.microsoft.com/office/drawing/2014/main" id="{4F760FD6-7771-E863-E524-A1019C1109C4}"/>
+                <a16:creationId xmlns:a16="http://schemas.microsoft.com/office/drawing/2014/main" id="{E0AC0CC7-A524-CA77-3847-6F3DCD1087D7}"/>
               </a:ext>
             </a:extLst>
           </p:cNvPr>
@@ -6092,7 +6092,7 @@
         </p:nvSpPr>
         <p:spPr>
           <a:xfrm>
-            <a:off x="684212" y="502473"/>
+            <a:off x="491707" y="290718"/>
             <a:ext cx="8534400" cy="1507067"/>
           </a:xfrm>
         </p:spPr>
@@ -6102,98 +6102,439 @@
           <a:p>
             <a:r>
               <a:rPr lang="fr-FR" dirty="0"/>
-              <a:t>Explication du projet</a:t>
-            </a:r>
-          </a:p>
-        </p:txBody>
-      </p:sp>
-      <p:sp>
-        <p:nvSpPr>
-          <p:cNvPr id="3" name="Espace réservé du contenu 2">
+              <a:t>Matériel </a:t>
+            </a:r>
+          </a:p>
+        </p:txBody>
+      </p:sp>
+      <p:sp>
+        <p:nvSpPr>
+          <p:cNvPr id="3" name="ZoneTexte 2">
             <a:extLst>
               <a:ext uri="{FF2B5EF4-FFF2-40B4-BE49-F238E27FC236}">
-                <a16:creationId xmlns:a16="http://schemas.microsoft.com/office/drawing/2014/main" id="{7B467148-D835-37BD-D370-CC4008101EA2}"/>
+                <a16:creationId xmlns:a16="http://schemas.microsoft.com/office/drawing/2014/main" id="{378E73A6-07C0-5452-3661-E8817434BBB3}"/>
               </a:ext>
             </a:extLst>
           </p:cNvPr>
-          <p:cNvSpPr>
-            <a:spLocks noGrp="1"/>
-          </p:cNvSpPr>
-          <p:nvPr>
-            <p:ph idx="1"/>
-          </p:nvPr>
+          <p:cNvSpPr txBox="1"/>
+          <p:nvPr/>
         </p:nvSpPr>
         <p:spPr>
           <a:xfrm>
-            <a:off x="684212" y="2129589"/>
-            <a:ext cx="8534400" cy="3615267"/>
-          </a:xfrm>
-        </p:spPr>
-        <p:txBody>
-          <a:bodyPr/>
-          <a:lstStyle/>
-          <a:p>
+            <a:off x="904774" y="1963554"/>
+            <a:ext cx="3292889" cy="369332"/>
+          </a:xfrm>
+          <a:prstGeom prst="rect">
+            <a:avLst/>
+          </a:prstGeom>
+          <a:noFill/>
+        </p:spPr>
+        <p:txBody>
+          <a:bodyPr wrap="none" rtlCol="0">
+            <a:spAutoFit/>
+          </a:bodyPr>
+          <a:lstStyle/>
+          <a:p>
+            <a:pPr marL="285750" indent="-285750">
+              <a:buFont typeface="Wingdings" panose="05000000000000000000" pitchFamily="2" charset="2"/>
+              <a:buChar char="q"/>
+            </a:pPr>
             <a:r>
               <a:rPr lang="fr-FR" dirty="0"/>
-              <a:t>FONCTIONS : </a:t>
-            </a:r>
-          </a:p>
-          <a:p>
-            <a:pPr lvl="1"/>
-            <a:r>
-              <a:rPr lang="fr-FR" dirty="0">
-                <a:solidFill>
-                  <a:schemeClr val="tx1"/>
-                </a:solidFill>
-              </a:rPr>
-              <a:t>Faire rouler la voiture</a:t>
-            </a:r>
-          </a:p>
-          <a:p>
-            <a:pPr lvl="1"/>
-            <a:r>
-              <a:rPr lang="fr-FR" dirty="0">
-                <a:solidFill>
-                  <a:schemeClr val="tx1"/>
-                </a:solidFill>
-              </a:rPr>
-              <a:t>Faire tourner la voiture</a:t>
-            </a:r>
-          </a:p>
-          <a:p>
-            <a:pPr lvl="1"/>
-            <a:r>
-              <a:rPr lang="fr-FR" dirty="0">
-                <a:solidFill>
-                  <a:schemeClr val="tx1"/>
-                </a:solidFill>
-              </a:rPr>
-              <a:t>Télécommunication </a:t>
-            </a:r>
-          </a:p>
-          <a:p>
-            <a:pPr lvl="1"/>
-            <a:endParaRPr lang="fr-FR" dirty="0">
-              <a:solidFill>
-                <a:schemeClr val="tx1"/>
-              </a:solidFill>
-            </a:endParaRPr>
-          </a:p>
-          <a:p>
+              <a:t>Une carte ARDUINO UNO</a:t>
+            </a:r>
+          </a:p>
+        </p:txBody>
+      </p:sp>
+      <p:sp>
+        <p:nvSpPr>
+          <p:cNvPr id="4" name="ZoneTexte 3">
+            <a:extLst>
+              <a:ext uri="{FF2B5EF4-FFF2-40B4-BE49-F238E27FC236}">
+                <a16:creationId xmlns:a16="http://schemas.microsoft.com/office/drawing/2014/main" id="{370D2D80-44F5-BFD0-1B7D-79B41A8302BD}"/>
+              </a:ext>
+            </a:extLst>
+          </p:cNvPr>
+          <p:cNvSpPr txBox="1"/>
+          <p:nvPr/>
+        </p:nvSpPr>
+        <p:spPr>
+          <a:xfrm>
+            <a:off x="4985886" y="2447224"/>
+            <a:ext cx="1859805" cy="369332"/>
+          </a:xfrm>
+          <a:prstGeom prst="rect">
+            <a:avLst/>
+          </a:prstGeom>
+          <a:noFill/>
+        </p:spPr>
+        <p:txBody>
+          <a:bodyPr wrap="none" rtlCol="0">
+            <a:spAutoFit/>
+          </a:bodyPr>
+          <a:lstStyle/>
+          <a:p>
+            <a:pPr marL="285750" indent="-285750">
+              <a:buFont typeface="Wingdings" panose="05000000000000000000" pitchFamily="2" charset="2"/>
+              <a:buChar char="q"/>
+            </a:pPr>
+            <a:r>
+              <a:rPr lang="fr-FR" dirty="0"/>
+              <a:t>Deux pont H</a:t>
+            </a:r>
+          </a:p>
+        </p:txBody>
+      </p:sp>
+      <p:sp>
+        <p:nvSpPr>
+          <p:cNvPr id="5" name="ZoneTexte 4">
+            <a:extLst>
+              <a:ext uri="{FF2B5EF4-FFF2-40B4-BE49-F238E27FC236}">
+                <a16:creationId xmlns:a16="http://schemas.microsoft.com/office/drawing/2014/main" id="{58C183AF-C093-41DA-031C-E734A29970B4}"/>
+              </a:ext>
+            </a:extLst>
+          </p:cNvPr>
+          <p:cNvSpPr txBox="1"/>
+          <p:nvPr/>
+        </p:nvSpPr>
+        <p:spPr>
+          <a:xfrm>
+            <a:off x="808523" y="4690884"/>
+            <a:ext cx="3812262" cy="369332"/>
+          </a:xfrm>
+          <a:prstGeom prst="rect">
+            <a:avLst/>
+          </a:prstGeom>
+          <a:noFill/>
+        </p:spPr>
+        <p:txBody>
+          <a:bodyPr wrap="none" rtlCol="0">
+            <a:spAutoFit/>
+          </a:bodyPr>
+          <a:lstStyle/>
+          <a:p>
+            <a:pPr marL="285750" indent="-285750">
+              <a:buFont typeface="Wingdings" panose="05000000000000000000" pitchFamily="2" charset="2"/>
+              <a:buChar char="q"/>
+            </a:pPr>
+            <a:r>
+              <a:rPr lang="fr-FR" dirty="0"/>
+              <a:t>Trois moteurs tension continue</a:t>
+            </a:r>
+          </a:p>
+        </p:txBody>
+      </p:sp>
+      <p:sp>
+        <p:nvSpPr>
+          <p:cNvPr id="6" name="ZoneTexte 5">
+            <a:extLst>
+              <a:ext uri="{FF2B5EF4-FFF2-40B4-BE49-F238E27FC236}">
+                <a16:creationId xmlns:a16="http://schemas.microsoft.com/office/drawing/2014/main" id="{F7E77974-8120-16C7-A112-DC8D10614C6E}"/>
+              </a:ext>
+            </a:extLst>
+          </p:cNvPr>
+          <p:cNvSpPr txBox="1"/>
+          <p:nvPr/>
+        </p:nvSpPr>
+        <p:spPr>
+          <a:xfrm>
+            <a:off x="8576110" y="972151"/>
+            <a:ext cx="2807179" cy="369332"/>
+          </a:xfrm>
+          <a:prstGeom prst="rect">
+            <a:avLst/>
+          </a:prstGeom>
+          <a:noFill/>
+        </p:spPr>
+        <p:txBody>
+          <a:bodyPr wrap="none" rtlCol="0">
+            <a:spAutoFit/>
+          </a:bodyPr>
+          <a:lstStyle/>
+          <a:p>
+            <a:pPr marL="285750" indent="-285750">
+              <a:buFont typeface="Wingdings" panose="05000000000000000000" pitchFamily="2" charset="2"/>
+              <a:buChar char="q"/>
+            </a:pPr>
+            <a:r>
+              <a:rPr lang="fr-FR" dirty="0"/>
+              <a:t>Deux modules HC-12</a:t>
+            </a:r>
+          </a:p>
+        </p:txBody>
+      </p:sp>
+      <p:pic>
+        <p:nvPicPr>
+          <p:cNvPr id="8" name="Image 7">
+            <a:extLst>
+              <a:ext uri="{FF2B5EF4-FFF2-40B4-BE49-F238E27FC236}">
+                <a16:creationId xmlns:a16="http://schemas.microsoft.com/office/drawing/2014/main" id="{11415708-D17C-A2C8-235F-5E8CE5A0C4F6}"/>
+              </a:ext>
+            </a:extLst>
+          </p:cNvPr>
+          <p:cNvPicPr>
+            <a:picLocks noChangeAspect="1"/>
+          </p:cNvPicPr>
+          <p:nvPr/>
+        </p:nvPicPr>
+        <p:blipFill rotWithShape="1">
+          <a:blip r:embed="rId2"/>
+          <a:srcRect l="10790" t="7048"/>
+          <a:stretch/>
+        </p:blipFill>
+        <p:spPr>
+          <a:xfrm rot="5400000">
+            <a:off x="1387372" y="2336938"/>
+            <a:ext cx="1862679" cy="2452584"/>
+          </a:xfrm>
+          <a:prstGeom prst="rect">
+            <a:avLst/>
+          </a:prstGeom>
+        </p:spPr>
+      </p:pic>
+      <p:pic>
+        <p:nvPicPr>
+          <p:cNvPr id="10" name="Image 9">
+            <a:extLst>
+              <a:ext uri="{FF2B5EF4-FFF2-40B4-BE49-F238E27FC236}">
+                <a16:creationId xmlns:a16="http://schemas.microsoft.com/office/drawing/2014/main" id="{8F4DEC34-27F4-F560-E993-79EA6DCFA310}"/>
+              </a:ext>
+            </a:extLst>
+          </p:cNvPr>
+          <p:cNvPicPr>
+            <a:picLocks noChangeAspect="1"/>
+          </p:cNvPicPr>
+          <p:nvPr/>
+        </p:nvPicPr>
+        <p:blipFill>
+          <a:blip r:embed="rId3"/>
+          <a:stretch>
+            <a:fillRect/>
+          </a:stretch>
+        </p:blipFill>
+        <p:spPr>
+          <a:xfrm>
+            <a:off x="5034127" y="2884671"/>
+            <a:ext cx="2123746" cy="2175545"/>
+          </a:xfrm>
+          <a:prstGeom prst="rect">
+            <a:avLst/>
+          </a:prstGeom>
+        </p:spPr>
+      </p:pic>
+      <p:sp>
+        <p:nvSpPr>
+          <p:cNvPr id="11" name="ZoneTexte 10">
+            <a:extLst>
+              <a:ext uri="{FF2B5EF4-FFF2-40B4-BE49-F238E27FC236}">
+                <a16:creationId xmlns:a16="http://schemas.microsoft.com/office/drawing/2014/main" id="{73CFA0DE-0817-4090-7FC8-BCABC056D171}"/>
+              </a:ext>
+            </a:extLst>
+          </p:cNvPr>
+          <p:cNvSpPr txBox="1"/>
+          <p:nvPr/>
+        </p:nvSpPr>
+        <p:spPr>
+          <a:xfrm>
+            <a:off x="8219975" y="3566407"/>
+            <a:ext cx="1338828" cy="369332"/>
+          </a:xfrm>
+          <a:prstGeom prst="rect">
+            <a:avLst/>
+          </a:prstGeom>
+          <a:noFill/>
+        </p:spPr>
+        <p:txBody>
+          <a:bodyPr wrap="none" rtlCol="0">
+            <a:spAutoFit/>
+          </a:bodyPr>
+          <a:lstStyle/>
+          <a:p>
+            <a:pPr marL="285750" indent="-285750">
+              <a:buFont typeface="Wingdings" panose="05000000000000000000" pitchFamily="2" charset="2"/>
+              <a:buChar char="q"/>
+            </a:pPr>
+            <a:r>
+              <a:rPr lang="fr-FR" dirty="0"/>
+              <a:t>Châssis </a:t>
+            </a:r>
+          </a:p>
+        </p:txBody>
+      </p:sp>
+      <p:pic>
+        <p:nvPicPr>
+          <p:cNvPr id="13" name="Image 12">
+            <a:extLst>
+              <a:ext uri="{FF2B5EF4-FFF2-40B4-BE49-F238E27FC236}">
+                <a16:creationId xmlns:a16="http://schemas.microsoft.com/office/drawing/2014/main" id="{9AE5C072-CA3A-958F-5F49-BBAACFE5BBD4}"/>
+              </a:ext>
+            </a:extLst>
+          </p:cNvPr>
+          <p:cNvPicPr>
+            <a:picLocks noChangeAspect="1"/>
+          </p:cNvPicPr>
+          <p:nvPr/>
+        </p:nvPicPr>
+        <p:blipFill>
+          <a:blip r:embed="rId4"/>
+          <a:stretch>
+            <a:fillRect/>
+          </a:stretch>
+        </p:blipFill>
+        <p:spPr>
+          <a:xfrm>
+            <a:off x="1418748" y="5127593"/>
+            <a:ext cx="1799925" cy="1528704"/>
+          </a:xfrm>
+          <a:prstGeom prst="rect">
+            <a:avLst/>
+          </a:prstGeom>
+        </p:spPr>
+      </p:pic>
+      <p:pic>
+        <p:nvPicPr>
+          <p:cNvPr id="15" name="Image 14">
+            <a:extLst>
+              <a:ext uri="{FF2B5EF4-FFF2-40B4-BE49-F238E27FC236}">
+                <a16:creationId xmlns:a16="http://schemas.microsoft.com/office/drawing/2014/main" id="{926AC203-A7D7-897F-B2B6-A358572DCE8F}"/>
+              </a:ext>
+            </a:extLst>
+          </p:cNvPr>
+          <p:cNvPicPr>
+            <a:picLocks noChangeAspect="1"/>
+          </p:cNvPicPr>
+          <p:nvPr/>
+        </p:nvPicPr>
+        <p:blipFill>
+          <a:blip r:embed="rId5"/>
+          <a:stretch>
+            <a:fillRect/>
+          </a:stretch>
+        </p:blipFill>
+        <p:spPr>
+          <a:xfrm>
+            <a:off x="8646996" y="1448083"/>
+            <a:ext cx="2711851" cy="1658845"/>
+          </a:xfrm>
+          <a:prstGeom prst="rect">
+            <a:avLst/>
+          </a:prstGeom>
+        </p:spPr>
+      </p:pic>
+      <p:sp>
+        <p:nvSpPr>
+          <p:cNvPr id="7" name="ZoneTexte 6">
+            <a:extLst>
+              <a:ext uri="{FF2B5EF4-FFF2-40B4-BE49-F238E27FC236}">
+                <a16:creationId xmlns:a16="http://schemas.microsoft.com/office/drawing/2014/main" id="{F0DD1C52-2920-27DF-DB30-E9332BCDC0D9}"/>
+              </a:ext>
+            </a:extLst>
+          </p:cNvPr>
+          <p:cNvSpPr txBox="1"/>
+          <p:nvPr/>
+        </p:nvSpPr>
+        <p:spPr>
+          <a:xfrm>
+            <a:off x="4985886" y="317407"/>
+            <a:ext cx="2076209" cy="369332"/>
+          </a:xfrm>
+          <a:prstGeom prst="rect">
+            <a:avLst/>
+          </a:prstGeom>
+          <a:noFill/>
+        </p:spPr>
+        <p:txBody>
+          <a:bodyPr wrap="none" rtlCol="0">
+            <a:spAutoFit/>
+          </a:bodyPr>
+          <a:lstStyle/>
+          <a:p>
+            <a:pPr marL="285750" indent="-285750">
+              <a:buFont typeface="Wingdings" panose="05000000000000000000" pitchFamily="2" charset="2"/>
+              <a:buChar char="q"/>
+            </a:pPr>
+            <a:r>
+              <a:rPr lang="fr-FR" dirty="0"/>
+              <a:t>Batterie 3 </a:t>
+            </a:r>
+            <a:r>
+              <a:rPr lang="fr-FR" dirty="0" err="1"/>
+              <a:t>cells</a:t>
+            </a:r>
             <a:endParaRPr lang="fr-FR" dirty="0"/>
           </a:p>
-          <a:p>
-            <a:r>
-              <a:rPr lang="fr-FR" dirty="0"/>
-              <a:t>SCHEMA : </a:t>
-            </a:r>
-          </a:p>
-        </p:txBody>
-      </p:sp>
+        </p:txBody>
+      </p:sp>
+      <p:pic>
+        <p:nvPicPr>
+          <p:cNvPr id="12" name="Image 11">
+            <a:extLst>
+              <a:ext uri="{FF2B5EF4-FFF2-40B4-BE49-F238E27FC236}">
+                <a16:creationId xmlns:a16="http://schemas.microsoft.com/office/drawing/2014/main" id="{E2B17DDF-4861-FE1B-DCA4-2B81283BB79E}"/>
+              </a:ext>
+            </a:extLst>
+          </p:cNvPr>
+          <p:cNvPicPr>
+            <a:picLocks noChangeAspect="1"/>
+          </p:cNvPicPr>
+          <p:nvPr/>
+        </p:nvPicPr>
+        <p:blipFill>
+          <a:blip r:embed="rId6">
+            <a:extLst>
+              <a:ext uri="{28A0092B-C50C-407E-A947-70E740481C1C}">
+                <a14:useLocalDpi xmlns:a14="http://schemas.microsoft.com/office/drawing/2010/main" val="0"/>
+              </a:ext>
+            </a:extLst>
+          </a:blip>
+          <a:stretch>
+            <a:fillRect/>
+          </a:stretch>
+        </p:blipFill>
+        <p:spPr>
+          <a:xfrm>
+            <a:off x="8187183" y="3972443"/>
+            <a:ext cx="3585032" cy="2688774"/>
+          </a:xfrm>
+          <a:prstGeom prst="rect">
+            <a:avLst/>
+          </a:prstGeom>
+        </p:spPr>
+      </p:pic>
+      <p:pic>
+        <p:nvPicPr>
+          <p:cNvPr id="16" name="Image 15">
+            <a:extLst>
+              <a:ext uri="{FF2B5EF4-FFF2-40B4-BE49-F238E27FC236}">
+                <a16:creationId xmlns:a16="http://schemas.microsoft.com/office/drawing/2014/main" id="{EEB6CC64-9EBC-D827-58E5-68D64BC52255}"/>
+              </a:ext>
+            </a:extLst>
+          </p:cNvPr>
+          <p:cNvPicPr>
+            <a:picLocks noChangeAspect="1"/>
+          </p:cNvPicPr>
+          <p:nvPr/>
+        </p:nvPicPr>
+        <p:blipFill>
+          <a:blip r:embed="rId7"/>
+          <a:stretch>
+            <a:fillRect/>
+          </a:stretch>
+        </p:blipFill>
+        <p:spPr>
+          <a:xfrm>
+            <a:off x="4656773" y="713428"/>
+            <a:ext cx="3124309" cy="1668019"/>
+          </a:xfrm>
+          <a:prstGeom prst="rect">
+            <a:avLst/>
+          </a:prstGeom>
+        </p:spPr>
+      </p:pic>
     </p:spTree>
     <p:extLst>
       <p:ext uri="{BB962C8B-B14F-4D97-AF65-F5344CB8AC3E}">
-        <p14:creationId xmlns:p14="http://schemas.microsoft.com/office/powerpoint/2010/main" val="1985174217"/>
+        <p14:creationId xmlns:p14="http://schemas.microsoft.com/office/powerpoint/2010/main" val="3240399600"/>
       </p:ext>
     </p:extLst>
   </p:cSld>
@@ -6225,7 +6566,7 @@
           <p:cNvPr id="2" name="Titre 1">
             <a:extLst>
               <a:ext uri="{FF2B5EF4-FFF2-40B4-BE49-F238E27FC236}">
-                <a16:creationId xmlns:a16="http://schemas.microsoft.com/office/drawing/2014/main" id="{E0AC0CC7-A524-CA77-3847-6F3DCD1087D7}"/>
+                <a16:creationId xmlns:a16="http://schemas.microsoft.com/office/drawing/2014/main" id="{4F760FD6-7771-E863-E524-A1019C1109C4}"/>
               </a:ext>
             </a:extLst>
           </p:cNvPr>
@@ -6238,7 +6579,7 @@
         </p:nvSpPr>
         <p:spPr>
           <a:xfrm>
-            <a:off x="491707" y="290718"/>
+            <a:off x="684212" y="502473"/>
             <a:ext cx="8534400" cy="1507067"/>
           </a:xfrm>
         </p:spPr>
@@ -6248,173 +6589,100 @@
           <a:p>
             <a:r>
               <a:rPr lang="fr-FR" dirty="0"/>
-              <a:t>Matériel </a:t>
-            </a:r>
-          </a:p>
-        </p:txBody>
-      </p:sp>
-      <p:sp>
-        <p:nvSpPr>
-          <p:cNvPr id="3" name="ZoneTexte 2">
+              <a:t>Explication du projet</a:t>
+            </a:r>
+          </a:p>
+        </p:txBody>
+      </p:sp>
+      <p:sp>
+        <p:nvSpPr>
+          <p:cNvPr id="3" name="Espace réservé du contenu 2">
             <a:extLst>
               <a:ext uri="{FF2B5EF4-FFF2-40B4-BE49-F238E27FC236}">
-                <a16:creationId xmlns:a16="http://schemas.microsoft.com/office/drawing/2014/main" id="{378E73A6-07C0-5452-3661-E8817434BBB3}"/>
+                <a16:creationId xmlns:a16="http://schemas.microsoft.com/office/drawing/2014/main" id="{7B467148-D835-37BD-D370-CC4008101EA2}"/>
               </a:ext>
             </a:extLst>
           </p:cNvPr>
-          <p:cNvSpPr txBox="1"/>
-          <p:nvPr/>
+          <p:cNvSpPr>
+            <a:spLocks noGrp="1"/>
+          </p:cNvSpPr>
+          <p:nvPr>
+            <p:ph idx="1"/>
+          </p:nvPr>
         </p:nvSpPr>
         <p:spPr>
           <a:xfrm>
-            <a:off x="904774" y="1963554"/>
-            <a:ext cx="3292889" cy="369332"/>
-          </a:xfrm>
-          <a:prstGeom prst="rect">
-            <a:avLst/>
-          </a:prstGeom>
-          <a:noFill/>
-        </p:spPr>
-        <p:txBody>
-          <a:bodyPr wrap="none" rtlCol="0">
-            <a:spAutoFit/>
-          </a:bodyPr>
-          <a:lstStyle/>
-          <a:p>
-            <a:pPr marL="285750" indent="-285750">
-              <a:buFont typeface="Wingdings" panose="05000000000000000000" pitchFamily="2" charset="2"/>
-              <a:buChar char="q"/>
-            </a:pPr>
+            <a:off x="684212" y="2158464"/>
+            <a:ext cx="8534400" cy="3615267"/>
+          </a:xfrm>
+        </p:spPr>
+        <p:txBody>
+          <a:bodyPr/>
+          <a:lstStyle/>
+          <a:p>
             <a:r>
               <a:rPr lang="fr-FR" dirty="0"/>
-              <a:t>Une carte ARDUINO UNO</a:t>
-            </a:r>
-          </a:p>
-        </p:txBody>
-      </p:sp>
-      <p:sp>
-        <p:nvSpPr>
-          <p:cNvPr id="4" name="ZoneTexte 3">
+              <a:t>FONCTIONS : </a:t>
+            </a:r>
+          </a:p>
+          <a:p>
+            <a:pPr lvl="1"/>
+            <a:r>
+              <a:rPr lang="fr-FR" dirty="0">
+                <a:solidFill>
+                  <a:schemeClr val="tx1"/>
+                </a:solidFill>
+              </a:rPr>
+              <a:t>Faire rouler la voiture</a:t>
+            </a:r>
+          </a:p>
+          <a:p>
+            <a:pPr lvl="1"/>
+            <a:r>
+              <a:rPr lang="fr-FR" dirty="0">
+                <a:solidFill>
+                  <a:schemeClr val="tx1"/>
+                </a:solidFill>
+              </a:rPr>
+              <a:t>Faire tourner la voiture</a:t>
+            </a:r>
+          </a:p>
+          <a:p>
+            <a:pPr lvl="1"/>
+            <a:r>
+              <a:rPr lang="fr-FR" dirty="0">
+                <a:solidFill>
+                  <a:schemeClr val="tx1"/>
+                </a:solidFill>
+              </a:rPr>
+              <a:t>Télécommunication </a:t>
+            </a:r>
+          </a:p>
+          <a:p>
+            <a:pPr lvl="1"/>
+            <a:endParaRPr lang="fr-FR" dirty="0">
+              <a:solidFill>
+                <a:schemeClr val="tx1"/>
+              </a:solidFill>
+            </a:endParaRPr>
+          </a:p>
+          <a:p>
+            <a:endParaRPr lang="fr-FR" dirty="0"/>
+          </a:p>
+          <a:p>
+            <a:r>
+              <a:rPr lang="fr-FR" dirty="0"/>
+              <a:t>SCHEMA : </a:t>
+            </a:r>
+          </a:p>
+        </p:txBody>
+      </p:sp>
+      <p:pic>
+        <p:nvPicPr>
+          <p:cNvPr id="5" name="Image 4">
             <a:extLst>
               <a:ext uri="{FF2B5EF4-FFF2-40B4-BE49-F238E27FC236}">
-                <a16:creationId xmlns:a16="http://schemas.microsoft.com/office/drawing/2014/main" id="{370D2D80-44F5-BFD0-1B7D-79B41A8302BD}"/>
-              </a:ext>
-            </a:extLst>
-          </p:cNvPr>
-          <p:cNvSpPr txBox="1"/>
-          <p:nvPr/>
-        </p:nvSpPr>
-        <p:spPr>
-          <a:xfrm>
-            <a:off x="4985886" y="2447224"/>
-            <a:ext cx="1859805" cy="369332"/>
-          </a:xfrm>
-          <a:prstGeom prst="rect">
-            <a:avLst/>
-          </a:prstGeom>
-          <a:noFill/>
-        </p:spPr>
-        <p:txBody>
-          <a:bodyPr wrap="none" rtlCol="0">
-            <a:spAutoFit/>
-          </a:bodyPr>
-          <a:lstStyle/>
-          <a:p>
-            <a:pPr marL="285750" indent="-285750">
-              <a:buFont typeface="Wingdings" panose="05000000000000000000" pitchFamily="2" charset="2"/>
-              <a:buChar char="q"/>
-            </a:pPr>
-            <a:r>
-              <a:rPr lang="fr-FR" dirty="0"/>
-              <a:t>Deux pont H</a:t>
-            </a:r>
-          </a:p>
-        </p:txBody>
-      </p:sp>
-      <p:sp>
-        <p:nvSpPr>
-          <p:cNvPr id="5" name="ZoneTexte 4">
-            <a:extLst>
-              <a:ext uri="{FF2B5EF4-FFF2-40B4-BE49-F238E27FC236}">
-                <a16:creationId xmlns:a16="http://schemas.microsoft.com/office/drawing/2014/main" id="{58C183AF-C093-41DA-031C-E734A29970B4}"/>
-              </a:ext>
-            </a:extLst>
-          </p:cNvPr>
-          <p:cNvSpPr txBox="1"/>
-          <p:nvPr/>
-        </p:nvSpPr>
-        <p:spPr>
-          <a:xfrm>
-            <a:off x="808523" y="4690884"/>
-            <a:ext cx="3812262" cy="369332"/>
-          </a:xfrm>
-          <a:prstGeom prst="rect">
-            <a:avLst/>
-          </a:prstGeom>
-          <a:noFill/>
-        </p:spPr>
-        <p:txBody>
-          <a:bodyPr wrap="none" rtlCol="0">
-            <a:spAutoFit/>
-          </a:bodyPr>
-          <a:lstStyle/>
-          <a:p>
-            <a:pPr marL="285750" indent="-285750">
-              <a:buFont typeface="Wingdings" panose="05000000000000000000" pitchFamily="2" charset="2"/>
-              <a:buChar char="q"/>
-            </a:pPr>
-            <a:r>
-              <a:rPr lang="fr-FR" dirty="0"/>
-              <a:t>Trois moteurs tension continue</a:t>
-            </a:r>
-          </a:p>
-        </p:txBody>
-      </p:sp>
-      <p:sp>
-        <p:nvSpPr>
-          <p:cNvPr id="6" name="ZoneTexte 5">
-            <a:extLst>
-              <a:ext uri="{FF2B5EF4-FFF2-40B4-BE49-F238E27FC236}">
-                <a16:creationId xmlns:a16="http://schemas.microsoft.com/office/drawing/2014/main" id="{F7E77974-8120-16C7-A112-DC8D10614C6E}"/>
-              </a:ext>
-            </a:extLst>
-          </p:cNvPr>
-          <p:cNvSpPr txBox="1"/>
-          <p:nvPr/>
-        </p:nvSpPr>
-        <p:spPr>
-          <a:xfrm>
-            <a:off x="8576110" y="972151"/>
-            <a:ext cx="2807179" cy="369332"/>
-          </a:xfrm>
-          <a:prstGeom prst="rect">
-            <a:avLst/>
-          </a:prstGeom>
-          <a:noFill/>
-        </p:spPr>
-        <p:txBody>
-          <a:bodyPr wrap="none" rtlCol="0">
-            <a:spAutoFit/>
-          </a:bodyPr>
-          <a:lstStyle/>
-          <a:p>
-            <a:pPr marL="285750" indent="-285750">
-              <a:buFont typeface="Wingdings" panose="05000000000000000000" pitchFamily="2" charset="2"/>
-              <a:buChar char="q"/>
-            </a:pPr>
-            <a:r>
-              <a:rPr lang="fr-FR" dirty="0"/>
-              <a:t>Deux modules HC-12</a:t>
-            </a:r>
-          </a:p>
-        </p:txBody>
-      </p:sp>
-      <p:pic>
-        <p:nvPicPr>
-          <p:cNvPr id="8" name="Image 7">
-            <a:extLst>
-              <a:ext uri="{FF2B5EF4-FFF2-40B4-BE49-F238E27FC236}">
-                <a16:creationId xmlns:a16="http://schemas.microsoft.com/office/drawing/2014/main" id="{11415708-D17C-A2C8-235F-5E8CE5A0C4F6}"/>
+                <a16:creationId xmlns:a16="http://schemas.microsoft.com/office/drawing/2014/main" id="{48195900-C7AF-221A-E7A9-65A52EFC25B9}"/>
               </a:ext>
             </a:extLst>
           </p:cNvPr>
@@ -6423,15 +6691,16 @@
           </p:cNvPicPr>
           <p:nvPr/>
         </p:nvPicPr>
-        <p:blipFill rotWithShape="1">
+        <p:blipFill>
           <a:blip r:embed="rId2"/>
-          <a:srcRect l="10790" t="7048"/>
-          <a:stretch/>
+          <a:stretch>
+            <a:fillRect/>
+          </a:stretch>
         </p:blipFill>
         <p:spPr>
-          <a:xfrm rot="5400000">
-            <a:off x="1387372" y="2336938"/>
-            <a:ext cx="1862679" cy="2452584"/>
+          <a:xfrm>
+            <a:off x="6824313" y="454908"/>
+            <a:ext cx="5101390" cy="5167451"/>
           </a:xfrm>
           <a:prstGeom prst="rect">
             <a:avLst/>
@@ -6440,10 +6709,10 @@
       </p:pic>
       <p:pic>
         <p:nvPicPr>
-          <p:cNvPr id="10" name="Image 9">
+          <p:cNvPr id="7" name="Image 6">
             <a:extLst>
               <a:ext uri="{FF2B5EF4-FFF2-40B4-BE49-F238E27FC236}">
-                <a16:creationId xmlns:a16="http://schemas.microsoft.com/office/drawing/2014/main" id="{8F4DEC34-27F4-F560-E993-79EA6DCFA310}"/>
+                <a16:creationId xmlns:a16="http://schemas.microsoft.com/office/drawing/2014/main" id="{2CA78521-BFE5-5EB4-8D3E-B9012B4E55B2}"/>
               </a:ext>
             </a:extLst>
           </p:cNvPr>
@@ -6460,161 +6729,18 @@
         </p:blipFill>
         <p:spPr>
           <a:xfrm>
-            <a:off x="5034127" y="2884671"/>
-            <a:ext cx="2123746" cy="2175545"/>
+            <a:off x="2973388" y="4483240"/>
+            <a:ext cx="3422286" cy="2008733"/>
           </a:xfrm>
           <a:prstGeom prst="rect">
             <a:avLst/>
           </a:prstGeom>
         </p:spPr>
       </p:pic>
-      <p:sp>
-        <p:nvSpPr>
-          <p:cNvPr id="11" name="ZoneTexte 10">
-            <a:extLst>
-              <a:ext uri="{FF2B5EF4-FFF2-40B4-BE49-F238E27FC236}">
-                <a16:creationId xmlns:a16="http://schemas.microsoft.com/office/drawing/2014/main" id="{73CFA0DE-0817-4090-7FC8-BCABC056D171}"/>
-              </a:ext>
-            </a:extLst>
-          </p:cNvPr>
-          <p:cNvSpPr txBox="1"/>
-          <p:nvPr/>
-        </p:nvSpPr>
-        <p:spPr>
-          <a:xfrm>
-            <a:off x="8219975" y="3566407"/>
-            <a:ext cx="1338828" cy="369332"/>
-          </a:xfrm>
-          <a:prstGeom prst="rect">
-            <a:avLst/>
-          </a:prstGeom>
-          <a:noFill/>
-        </p:spPr>
-        <p:txBody>
-          <a:bodyPr wrap="none" rtlCol="0">
-            <a:spAutoFit/>
-          </a:bodyPr>
-          <a:lstStyle/>
-          <a:p>
-            <a:pPr marL="285750" indent="-285750">
-              <a:buFont typeface="Wingdings" panose="05000000000000000000" pitchFamily="2" charset="2"/>
-              <a:buChar char="q"/>
-            </a:pPr>
-            <a:r>
-              <a:rPr lang="fr-FR" dirty="0"/>
-              <a:t>Châssis </a:t>
-            </a:r>
-          </a:p>
-        </p:txBody>
-      </p:sp>
-      <p:pic>
-        <p:nvPicPr>
-          <p:cNvPr id="13" name="Image 12">
-            <a:extLst>
-              <a:ext uri="{FF2B5EF4-FFF2-40B4-BE49-F238E27FC236}">
-                <a16:creationId xmlns:a16="http://schemas.microsoft.com/office/drawing/2014/main" id="{9AE5C072-CA3A-958F-5F49-BBAACFE5BBD4}"/>
-              </a:ext>
-            </a:extLst>
-          </p:cNvPr>
-          <p:cNvPicPr>
-            <a:picLocks noChangeAspect="1"/>
-          </p:cNvPicPr>
-          <p:nvPr/>
-        </p:nvPicPr>
-        <p:blipFill>
-          <a:blip r:embed="rId4"/>
-          <a:stretch>
-            <a:fillRect/>
-          </a:stretch>
-        </p:blipFill>
-        <p:spPr>
-          <a:xfrm>
-            <a:off x="1418748" y="5127593"/>
-            <a:ext cx="1799925" cy="1528704"/>
-          </a:xfrm>
-          <a:prstGeom prst="rect">
-            <a:avLst/>
-          </a:prstGeom>
-        </p:spPr>
-      </p:pic>
-      <p:pic>
-        <p:nvPicPr>
-          <p:cNvPr id="15" name="Image 14">
-            <a:extLst>
-              <a:ext uri="{FF2B5EF4-FFF2-40B4-BE49-F238E27FC236}">
-                <a16:creationId xmlns:a16="http://schemas.microsoft.com/office/drawing/2014/main" id="{926AC203-A7D7-897F-B2B6-A358572DCE8F}"/>
-              </a:ext>
-            </a:extLst>
-          </p:cNvPr>
-          <p:cNvPicPr>
-            <a:picLocks noChangeAspect="1"/>
-          </p:cNvPicPr>
-          <p:nvPr/>
-        </p:nvPicPr>
-        <p:blipFill>
-          <a:blip r:embed="rId5"/>
-          <a:stretch>
-            <a:fillRect/>
-          </a:stretch>
-        </p:blipFill>
-        <p:spPr>
-          <a:xfrm>
-            <a:off x="8646996" y="1448083"/>
-            <a:ext cx="2711851" cy="1658845"/>
-          </a:xfrm>
-          <a:prstGeom prst="rect">
-            <a:avLst/>
-          </a:prstGeom>
-        </p:spPr>
-      </p:pic>
-      <p:sp>
-        <p:nvSpPr>
-          <p:cNvPr id="7" name="ZoneTexte 6">
-            <a:extLst>
-              <a:ext uri="{FF2B5EF4-FFF2-40B4-BE49-F238E27FC236}">
-                <a16:creationId xmlns:a16="http://schemas.microsoft.com/office/drawing/2014/main" id="{F0DD1C52-2920-27DF-DB30-E9332BCDC0D9}"/>
-              </a:ext>
-            </a:extLst>
-          </p:cNvPr>
-          <p:cNvSpPr txBox="1"/>
-          <p:nvPr/>
-        </p:nvSpPr>
-        <p:spPr>
-          <a:xfrm>
-            <a:off x="4985885" y="602819"/>
-            <a:ext cx="2076209" cy="369332"/>
-          </a:xfrm>
-          <a:prstGeom prst="rect">
-            <a:avLst/>
-          </a:prstGeom>
-          <a:noFill/>
-        </p:spPr>
-        <p:txBody>
-          <a:bodyPr wrap="none" rtlCol="0">
-            <a:spAutoFit/>
-          </a:bodyPr>
-          <a:lstStyle/>
-          <a:p>
-            <a:pPr marL="285750" indent="-285750">
-              <a:buFont typeface="Wingdings" panose="05000000000000000000" pitchFamily="2" charset="2"/>
-              <a:buChar char="q"/>
-            </a:pPr>
-            <a:r>
-              <a:rPr lang="fr-FR" dirty="0"/>
-              <a:t>Batterie 3 </a:t>
-            </a:r>
-            <a:r>
-              <a:rPr lang="fr-FR" dirty="0" err="1"/>
-              <a:t>cells</a:t>
-            </a:r>
-            <a:endParaRPr lang="fr-FR" dirty="0"/>
-          </a:p>
-        </p:txBody>
-      </p:sp>
     </p:spTree>
     <p:extLst>
       <p:ext uri="{BB962C8B-B14F-4D97-AF65-F5344CB8AC3E}">
-        <p14:creationId xmlns:p14="http://schemas.microsoft.com/office/powerpoint/2010/main" val="3240399600"/>
+        <p14:creationId xmlns:p14="http://schemas.microsoft.com/office/powerpoint/2010/main" val="1985174217"/>
       </p:ext>
     </p:extLst>
   </p:cSld>
